--- a/src/d191010/choyongsu/조용수 10.10 발표과제.pptx
+++ b/src/d191010/choyongsu/조용수 10.10 발표과제.pptx
@@ -1,6 +1,6 @@
 
 <file path=ppt/presentation.xml><?xml version="1.0" encoding="utf-8"?>
-<p:presentation xmlns:a="http://schemas.openxmlformats.org/drawingml/2006/main" xmlns:r="http://schemas.openxmlformats.org/officeDocument/2006/relationships" xmlns:p="http://schemas.openxmlformats.org/presentationml/2006/main" saveSubsetFonts="1">
+<p:presentation xmlns:a="http://schemas.openxmlformats.org/drawingml/2006/main" xmlns:r="http://schemas.openxmlformats.org/officeDocument/2006/relationships" xmlns:p="http://schemas.openxmlformats.org/presentationml/2006/main" serverZoom="44321" saveSubsetFonts="1">
   <p:sldMasterIdLst>
     <p:sldMasterId id="2147483768" r:id="rId1"/>
   </p:sldMasterIdLst>
@@ -214,7 +214,7 @@
           <a:p>
             <a:fld id="{C0568648-4A99-4AF5-A6C0-9A76C2A054D3}" type="datetimeFigureOut">
               <a:rPr lang="ko-KR" altLang="en-US" smtClean="0"/>
-              <a:t>2019-10-09</a:t>
+              <a:t>2019-10-10</a:t>
             </a:fld>
             <a:endParaRPr lang="ko-KR" altLang="en-US"/>
           </a:p>
@@ -1675,7 +1675,7 @@
           <a:p>
             <a:fld id="{F5037C2A-A8AB-44D0-9E1E-92093662BE54}" type="datetimeFigureOut">
               <a:rPr lang="ko-KR" altLang="en-US" smtClean="0"/>
-              <a:t>2019-10-09</a:t>
+              <a:t>2019-10-10</a:t>
             </a:fld>
             <a:endParaRPr lang="ko-KR" altLang="en-US"/>
           </a:p>
@@ -1966,7 +1966,7 @@
           <a:p>
             <a:fld id="{F5037C2A-A8AB-44D0-9E1E-92093662BE54}" type="datetimeFigureOut">
               <a:rPr lang="ko-KR" altLang="en-US" smtClean="0"/>
-              <a:t>2019-10-09</a:t>
+              <a:t>2019-10-10</a:t>
             </a:fld>
             <a:endParaRPr lang="ko-KR" altLang="en-US"/>
           </a:p>
@@ -2225,7 +2225,7 @@
           <a:p>
             <a:fld id="{F5037C2A-A8AB-44D0-9E1E-92093662BE54}" type="datetimeFigureOut">
               <a:rPr lang="ko-KR" altLang="en-US" smtClean="0"/>
-              <a:t>2019-10-09</a:t>
+              <a:t>2019-10-10</a:t>
             </a:fld>
             <a:endParaRPr lang="ko-KR" altLang="en-US"/>
           </a:p>
@@ -2694,7 +2694,7 @@
           <a:p>
             <a:fld id="{F5037C2A-A8AB-44D0-9E1E-92093662BE54}" type="datetimeFigureOut">
               <a:rPr lang="ko-KR" altLang="en-US" smtClean="0"/>
-              <a:t>2019-10-09</a:t>
+              <a:t>2019-10-10</a:t>
             </a:fld>
             <a:endParaRPr lang="ko-KR" altLang="en-US"/>
           </a:p>
@@ -2874,7 +2874,7 @@
           <a:p>
             <a:fld id="{F5037C2A-A8AB-44D0-9E1E-92093662BE54}" type="datetimeFigureOut">
               <a:rPr lang="ko-KR" altLang="en-US" smtClean="0"/>
-              <a:t>2019-10-09</a:t>
+              <a:t>2019-10-10</a:t>
             </a:fld>
             <a:endParaRPr lang="ko-KR" altLang="en-US"/>
           </a:p>
@@ -3450,7 +3450,7 @@
           <a:p>
             <a:fld id="{F5037C2A-A8AB-44D0-9E1E-92093662BE54}" type="datetimeFigureOut">
               <a:rPr lang="ko-KR" altLang="en-US" smtClean="0"/>
-              <a:t>2019-10-09</a:t>
+              <a:t>2019-10-10</a:t>
             </a:fld>
             <a:endParaRPr lang="ko-KR" altLang="en-US"/>
           </a:p>
@@ -3782,7 +3782,7 @@
           <a:p>
             <a:fld id="{F5037C2A-A8AB-44D0-9E1E-92093662BE54}" type="datetimeFigureOut">
               <a:rPr lang="ko-KR" altLang="en-US" smtClean="0"/>
-              <a:t>2019-10-09</a:t>
+              <a:t>2019-10-10</a:t>
             </a:fld>
             <a:endParaRPr lang="ko-KR" altLang="en-US"/>
           </a:p>
@@ -3957,7 +3957,7 @@
           <a:p>
             <a:fld id="{F5037C2A-A8AB-44D0-9E1E-92093662BE54}" type="datetimeFigureOut">
               <a:rPr lang="ko-KR" altLang="en-US" smtClean="0"/>
-              <a:t>2019-10-09</a:t>
+              <a:t>2019-10-10</a:t>
             </a:fld>
             <a:endParaRPr lang="ko-KR" altLang="en-US"/>
           </a:p>
@@ -4137,7 +4137,7 @@
           <a:p>
             <a:fld id="{F5037C2A-A8AB-44D0-9E1E-92093662BE54}" type="datetimeFigureOut">
               <a:rPr lang="ko-KR" altLang="en-US" smtClean="0"/>
-              <a:t>2019-10-09</a:t>
+              <a:t>2019-10-10</a:t>
             </a:fld>
             <a:endParaRPr lang="ko-KR" altLang="en-US"/>
           </a:p>
@@ -4307,7 +4307,7 @@
           <a:p>
             <a:fld id="{F5037C2A-A8AB-44D0-9E1E-92093662BE54}" type="datetimeFigureOut">
               <a:rPr lang="ko-KR" altLang="en-US" smtClean="0"/>
-              <a:t>2019-10-09</a:t>
+              <a:t>2019-10-10</a:t>
             </a:fld>
             <a:endParaRPr lang="ko-KR" altLang="en-US"/>
           </a:p>
@@ -4564,7 +4564,7 @@
           <a:p>
             <a:fld id="{F5037C2A-A8AB-44D0-9E1E-92093662BE54}" type="datetimeFigureOut">
               <a:rPr lang="ko-KR" altLang="en-US" smtClean="0"/>
-              <a:t>2019-10-09</a:t>
+              <a:t>2019-10-10</a:t>
             </a:fld>
             <a:endParaRPr lang="ko-KR" altLang="en-US"/>
           </a:p>
@@ -4856,7 +4856,7 @@
           <a:p>
             <a:fld id="{F5037C2A-A8AB-44D0-9E1E-92093662BE54}" type="datetimeFigureOut">
               <a:rPr lang="ko-KR" altLang="en-US" smtClean="0"/>
-              <a:t>2019-10-09</a:t>
+              <a:t>2019-10-10</a:t>
             </a:fld>
             <a:endParaRPr lang="ko-KR" altLang="en-US"/>
           </a:p>
@@ -5286,7 +5286,7 @@
           <a:p>
             <a:fld id="{F5037C2A-A8AB-44D0-9E1E-92093662BE54}" type="datetimeFigureOut">
               <a:rPr lang="ko-KR" altLang="en-US" smtClean="0"/>
-              <a:t>2019-10-09</a:t>
+              <a:t>2019-10-10</a:t>
             </a:fld>
             <a:endParaRPr lang="ko-KR" altLang="en-US"/>
           </a:p>
@@ -5404,7 +5404,7 @@
           <a:p>
             <a:fld id="{F5037C2A-A8AB-44D0-9E1E-92093662BE54}" type="datetimeFigureOut">
               <a:rPr lang="ko-KR" altLang="en-US" smtClean="0"/>
-              <a:t>2019-10-09</a:t>
+              <a:t>2019-10-10</a:t>
             </a:fld>
             <a:endParaRPr lang="ko-KR" altLang="en-US"/>
           </a:p>
@@ -5499,7 +5499,7 @@
           <a:p>
             <a:fld id="{F5037C2A-A8AB-44D0-9E1E-92093662BE54}" type="datetimeFigureOut">
               <a:rPr lang="ko-KR" altLang="en-US" smtClean="0"/>
-              <a:t>2019-10-09</a:t>
+              <a:t>2019-10-10</a:t>
             </a:fld>
             <a:endParaRPr lang="ko-KR" altLang="en-US"/>
           </a:p>
@@ -5782,7 +5782,7 @@
           <a:p>
             <a:fld id="{F5037C2A-A8AB-44D0-9E1E-92093662BE54}" type="datetimeFigureOut">
               <a:rPr lang="ko-KR" altLang="en-US" smtClean="0"/>
-              <a:t>2019-10-09</a:t>
+              <a:t>2019-10-10</a:t>
             </a:fld>
             <a:endParaRPr lang="ko-KR" altLang="en-US"/>
           </a:p>
@@ -6073,7 +6073,7 @@
           <a:p>
             <a:fld id="{F5037C2A-A8AB-44D0-9E1E-92093662BE54}" type="datetimeFigureOut">
               <a:rPr lang="ko-KR" altLang="en-US" smtClean="0"/>
-              <a:t>2019-10-09</a:t>
+              <a:t>2019-10-10</a:t>
             </a:fld>
             <a:endParaRPr lang="ko-KR" altLang="en-US"/>
           </a:p>
@@ -6304,7 +6304,7 @@
           <a:p>
             <a:fld id="{F5037C2A-A8AB-44D0-9E1E-92093662BE54}" type="datetimeFigureOut">
               <a:rPr lang="ko-KR" altLang="en-US" smtClean="0"/>
-              <a:t>2019-10-09</a:t>
+              <a:t>2019-10-10</a:t>
             </a:fld>
             <a:endParaRPr lang="ko-KR" altLang="en-US"/>
           </a:p>
